--- a/slides.pptx
+++ b/slides.pptx
@@ -1139,7 +1139,7 @@
                 <a:cs typeface="Arial"/>
                 <a:sym typeface="Arial"/>
               </a:rPr>
-              <a:t>我们使用了****技术构造了一套学生分奖惩机制，进行用户置信度矫正与更新，详见文档和代码。</a:t>
+              <a:t>我们构造了一套学生分奖惩机制，进行用户置信度矫正与更新，详见文档和代码。</a:t>
             </a:r>
             <a:endParaRPr dirty="0"/>
           </a:p>

--- a/slides.pptx
+++ b/slides.pptx
@@ -1223,7 +1223,85 @@
                 <a:latin typeface="微软雅黑" panose="020B0503020204020204" pitchFamily="34" charset="-122"/>
                 <a:ea typeface="微软雅黑" panose="020B0503020204020204" pitchFamily="34" charset="-122"/>
               </a:rPr>
-              <a:t>“学生分”机制数值设定自动化方法。</a:t>
+              <a:t>“学生分”机制数值设定自动化方法。我们可以看在我们黑白测试中我们的准确率达到</a:t>
+            </a:r>
+            <a:r>
+              <a:rPr lang="en-US" altLang="zh-CN" sz="1100" b="0" dirty="0">
+                <a:solidFill>
+                  <a:schemeClr val="tx1">
+                    <a:lumMod val="50000"/>
+                    <a:lumOff val="50000"/>
+                  </a:schemeClr>
+                </a:solidFill>
+                <a:latin typeface="微软雅黑" panose="020B0503020204020204" pitchFamily="34" charset="-122"/>
+                <a:ea typeface="微软雅黑" panose="020B0503020204020204" pitchFamily="34" charset="-122"/>
+              </a:rPr>
+              <a:t>88%</a:t>
+            </a:r>
+            <a:r>
+              <a:rPr lang="zh-CN" altLang="en-US" sz="1100" b="0" dirty="0">
+                <a:solidFill>
+                  <a:schemeClr val="tx1">
+                    <a:lumMod val="50000"/>
+                    <a:lumOff val="50000"/>
+                  </a:schemeClr>
+                </a:solidFill>
+                <a:latin typeface="微软雅黑" panose="020B0503020204020204" pitchFamily="34" charset="-122"/>
+                <a:ea typeface="微软雅黑" panose="020B0503020204020204" pitchFamily="34" charset="-122"/>
+              </a:rPr>
+              <a:t>，查准率达到</a:t>
+            </a:r>
+            <a:r>
+              <a:rPr lang="en-US" altLang="zh-CN" sz="1100" b="0" dirty="0">
+                <a:solidFill>
+                  <a:schemeClr val="tx1">
+                    <a:lumMod val="50000"/>
+                    <a:lumOff val="50000"/>
+                  </a:schemeClr>
+                </a:solidFill>
+                <a:latin typeface="微软雅黑" panose="020B0503020204020204" pitchFamily="34" charset="-122"/>
+                <a:ea typeface="微软雅黑" panose="020B0503020204020204" pitchFamily="34" charset="-122"/>
+              </a:rPr>
+              <a:t>09.03%</a:t>
+            </a:r>
+            <a:r>
+              <a:rPr lang="zh-CN" altLang="en-US" sz="1100" b="0" dirty="0">
+                <a:solidFill>
+                  <a:schemeClr val="tx1">
+                    <a:lumMod val="50000"/>
+                    <a:lumOff val="50000"/>
+                  </a:schemeClr>
+                </a:solidFill>
+                <a:latin typeface="微软雅黑" panose="020B0503020204020204" pitchFamily="34" charset="-122"/>
+                <a:ea typeface="微软雅黑" panose="020B0503020204020204" pitchFamily="34" charset="-122"/>
+              </a:rPr>
+              <a:t>，查全率达到</a:t>
+            </a:r>
+            <a:r>
+              <a:rPr lang="en-US" altLang="zh-CN" sz="1100" b="0" dirty="0">
+                <a:solidFill>
+                  <a:schemeClr val="tx1">
+                    <a:lumMod val="50000"/>
+                    <a:lumOff val="50000"/>
+                  </a:schemeClr>
+                </a:solidFill>
+                <a:latin typeface="微软雅黑" panose="020B0503020204020204" pitchFamily="34" charset="-122"/>
+                <a:ea typeface="微软雅黑" panose="020B0503020204020204" pitchFamily="34" charset="-122"/>
+              </a:rPr>
+              <a:t>93.33%</a:t>
+            </a:r>
+            <a:r>
+              <a:rPr lang="zh-CN" altLang="en-US" sz="1100" b="0">
+                <a:solidFill>
+                  <a:schemeClr val="tx1">
+                    <a:lumMod val="50000"/>
+                    <a:lumOff val="50000"/>
+                  </a:schemeClr>
+                </a:solidFill>
+                <a:latin typeface="微软雅黑" panose="020B0503020204020204" pitchFamily="34" charset="-122"/>
+                <a:ea typeface="微软雅黑" panose="020B0503020204020204" pitchFamily="34" charset="-122"/>
+              </a:rPr>
+              <a:t>。</a:t>
             </a:r>
             <a:endParaRPr lang="zh-CN" altLang="en-US" dirty="0"/>
           </a:p>
@@ -9482,6 +9560,51 @@
           <a:chExt cx="0" cy="0"/>
         </a:xfrm>
       </p:grpSpPr>
+      <p:pic>
+        <p:nvPicPr>
+          <p:cNvPr id="1025" name="Picture 1" descr="save image">
+            <a:extLst>
+              <a:ext uri="{FF2B5EF4-FFF2-40B4-BE49-F238E27FC236}">
+                <a16:creationId xmlns:a16="http://schemas.microsoft.com/office/drawing/2014/main" id="{C9AD073F-975A-42E1-9AB7-D1F809448AC5}"/>
+              </a:ext>
+            </a:extLst>
+          </p:cNvPr>
+          <p:cNvPicPr>
+            <a:picLocks noChangeAspect="1" noChangeArrowheads="1"/>
+          </p:cNvPicPr>
+          <p:nvPr/>
+        </p:nvPicPr>
+        <p:blipFill rotWithShape="1">
+          <a:blip r:embed="rId3">
+            <a:extLst>
+              <a:ext uri="{28A0092B-C50C-407E-A947-70E740481C1C}">
+                <a14:useLocalDpi xmlns:a14="http://schemas.microsoft.com/office/drawing/2010/main" val="0"/>
+              </a:ext>
+            </a:extLst>
+          </a:blip>
+          <a:srcRect r="31346"/>
+          <a:stretch/>
+        </p:blipFill>
+        <p:spPr bwMode="auto">
+          <a:xfrm>
+            <a:off x="1" y="-17919511"/>
+            <a:ext cx="7351776" cy="18203387"/>
+          </a:xfrm>
+          <a:prstGeom prst="rect">
+            <a:avLst/>
+          </a:prstGeom>
+          <a:noFill/>
+          <a:extLst>
+            <a:ext uri="{909E8E84-426E-40DD-AFC4-6F175D3DCCD1}">
+              <a14:hiddenFill xmlns:a14="http://schemas.microsoft.com/office/drawing/2010/main">
+                <a:solidFill>
+                  <a:srgbClr val="FFFFFF"/>
+                </a:solidFill>
+              </a14:hiddenFill>
+            </a:ext>
+          </a:extLst>
+        </p:spPr>
+      </p:pic>
       <p:sp>
         <p:nvSpPr>
           <p:cNvPr id="2" name="标题 1">
@@ -9610,7 +9733,7 @@
           <p:nvPr/>
         </p:nvPicPr>
         <p:blipFill rotWithShape="1">
-          <a:blip r:embed="rId3"/>
+          <a:blip r:embed="rId4"/>
           <a:srcRect r="1365"/>
           <a:stretch/>
         </p:blipFill>
@@ -9639,7 +9762,7 @@
         <p:spPr>
           <a:xfrm>
             <a:off x="627450" y="1528074"/>
-            <a:ext cx="5603100" cy="10926068"/>
+            <a:ext cx="5603100" cy="215444"/>
           </a:xfrm>
           <a:prstGeom prst="rect">
             <a:avLst/>
@@ -9651,1023 +9774,6 @@
             <a:spAutoFit/>
           </a:bodyPr>
           <a:lstStyle/>
-          <a:p>
-            <a:r>
-              <a:rPr lang="en-US" altLang="zh-CN" sz="800" dirty="0"/>
-              <a:t>#include&lt;bits/</a:t>
-            </a:r>
-            <a:r>
-              <a:rPr lang="en-US" altLang="zh-CN" sz="800" dirty="0" err="1"/>
-              <a:t>stdc</a:t>
-            </a:r>
-            <a:r>
-              <a:rPr lang="en-US" altLang="zh-CN" sz="800" dirty="0"/>
-              <a:t>++.h&gt;</a:t>
-            </a:r>
-          </a:p>
-          <a:p>
-            <a:r>
-              <a:rPr lang="en-US" altLang="zh-CN" sz="800" dirty="0"/>
-              <a:t>using namespace std;</a:t>
-            </a:r>
-          </a:p>
-          <a:p>
-            <a:r>
-              <a:rPr lang="en-US" altLang="zh-CN" sz="800" dirty="0"/>
-              <a:t>const int MAXM = 1e5;</a:t>
-            </a:r>
-          </a:p>
-          <a:p>
-            <a:r>
-              <a:rPr lang="en-US" altLang="zh-CN" sz="800" dirty="0"/>
-              <a:t>const int HIDECOUNT = 20;</a:t>
-            </a:r>
-          </a:p>
-          <a:p>
-            <a:r>
-              <a:rPr lang="en-US" altLang="zh-CN" sz="800" dirty="0"/>
-              <a:t>const int SHOWCOUNT = 30;</a:t>
-            </a:r>
-          </a:p>
-          <a:p>
-            <a:r>
-              <a:rPr lang="en-US" altLang="zh-CN" sz="800" dirty="0"/>
-              <a:t>const int WRONGCNT = 50;</a:t>
-            </a:r>
-          </a:p>
-          <a:p>
-            <a:r>
-              <a:rPr lang="en-US" altLang="zh-CN" sz="800" dirty="0"/>
-              <a:t>#define keyC1 10</a:t>
-            </a:r>
-          </a:p>
-          <a:p>
-            <a:r>
-              <a:rPr lang="en-US" altLang="zh-CN" sz="800" dirty="0"/>
-              <a:t>#define keyC2 90</a:t>
-            </a:r>
-          </a:p>
-          <a:p>
-            <a:r>
-              <a:rPr lang="en-US" altLang="zh-CN" sz="800" dirty="0"/>
-              <a:t>#define keyC3 0.85</a:t>
-            </a:r>
-          </a:p>
-          <a:p>
-            <a:r>
-              <a:rPr lang="en-US" altLang="zh-CN" sz="800" dirty="0"/>
-              <a:t>#define </a:t>
-            </a:r>
-            <a:r>
-              <a:rPr lang="en-US" altLang="zh-CN" sz="800" dirty="0" err="1"/>
-              <a:t>gen_people</a:t>
-            </a:r>
-            <a:r>
-              <a:rPr lang="en-US" altLang="zh-CN" sz="800" dirty="0"/>
-              <a:t>() (rand()%MAXM + 1)</a:t>
-            </a:r>
-          </a:p>
-          <a:p>
-            <a:r>
-              <a:rPr lang="en-US" altLang="zh-CN" sz="800" dirty="0"/>
-              <a:t>#define rep(</a:t>
-            </a:r>
-            <a:r>
-              <a:rPr lang="en-US" altLang="zh-CN" sz="800" dirty="0" err="1"/>
-              <a:t>i,n</a:t>
-            </a:r>
-            <a:r>
-              <a:rPr lang="en-US" altLang="zh-CN" sz="800" dirty="0"/>
-              <a:t>) for(int </a:t>
-            </a:r>
-            <a:r>
-              <a:rPr lang="en-US" altLang="zh-CN" sz="800" dirty="0" err="1"/>
-              <a:t>i</a:t>
-            </a:r>
-            <a:r>
-              <a:rPr lang="en-US" altLang="zh-CN" sz="800" dirty="0"/>
-              <a:t>=1;i&lt;=</a:t>
-            </a:r>
-            <a:r>
-              <a:rPr lang="en-US" altLang="zh-CN" sz="800" dirty="0" err="1"/>
-              <a:t>n;i</a:t>
-            </a:r>
-            <a:r>
-              <a:rPr lang="en-US" altLang="zh-CN" sz="800" dirty="0"/>
-              <a:t>++)</a:t>
-            </a:r>
-          </a:p>
-          <a:p>
-            <a:r>
-              <a:rPr lang="en-US" altLang="zh-CN" sz="800" dirty="0"/>
-              <a:t>const int N = 100010;</a:t>
-            </a:r>
-          </a:p>
-          <a:p>
-            <a:r>
-              <a:rPr lang="en-US" altLang="zh-CN" sz="800" dirty="0"/>
-              <a:t>struct customer{</a:t>
-            </a:r>
-          </a:p>
-          <a:p>
-            <a:r>
-              <a:rPr lang="en-US" altLang="zh-CN" sz="800" dirty="0"/>
-              <a:t>float credit;</a:t>
-            </a:r>
-          </a:p>
-          <a:p>
-            <a:r>
-              <a:rPr lang="en-US" altLang="zh-CN" sz="800" dirty="0"/>
-              <a:t>vector&lt;int&gt; </a:t>
-            </a:r>
-            <a:r>
-              <a:rPr lang="en-US" altLang="zh-CN" sz="800" dirty="0" err="1"/>
-              <a:t>son,pa</a:t>
-            </a:r>
-            <a:r>
-              <a:rPr lang="en-US" altLang="zh-CN" sz="800" dirty="0"/>
-              <a:t>;</a:t>
-            </a:r>
-          </a:p>
-          <a:p>
-            <a:r>
-              <a:rPr lang="en-US" altLang="zh-CN" sz="800" dirty="0"/>
-              <a:t>customer(){</a:t>
-            </a:r>
-          </a:p>
-          <a:p>
-            <a:r>
-              <a:rPr lang="en-US" altLang="zh-CN" sz="800" dirty="0" err="1"/>
-              <a:t>son.clear</a:t>
-            </a:r>
-            <a:r>
-              <a:rPr lang="en-US" altLang="zh-CN" sz="800" dirty="0"/>
-              <a:t>();</a:t>
-            </a:r>
-          </a:p>
-          <a:p>
-            <a:r>
-              <a:rPr lang="en-US" altLang="zh-CN" sz="800" dirty="0" err="1"/>
-              <a:t>pa.clear</a:t>
-            </a:r>
-            <a:r>
-              <a:rPr lang="en-US" altLang="zh-CN" sz="800" dirty="0"/>
-              <a:t>();</a:t>
-            </a:r>
-          </a:p>
-          <a:p>
-            <a:r>
-              <a:rPr lang="en-US" altLang="zh-CN" sz="800" dirty="0"/>
-              <a:t>}</a:t>
-            </a:r>
-          </a:p>
-          <a:p>
-            <a:r>
-              <a:rPr lang="en-US" altLang="zh-CN" sz="800" dirty="0"/>
-              <a:t>}c[N];</a:t>
-            </a:r>
-          </a:p>
-          <a:p>
-            <a:r>
-              <a:rPr lang="en-US" altLang="zh-CN" sz="800" dirty="0"/>
-              <a:t>vector&lt;int&gt; </a:t>
-            </a:r>
-            <a:r>
-              <a:rPr lang="en-US" altLang="zh-CN" sz="800" dirty="0" err="1"/>
-              <a:t>badShow,badHide</a:t>
-            </a:r>
-            <a:r>
-              <a:rPr lang="en-US" altLang="zh-CN" sz="800" dirty="0"/>
-              <a:t>;</a:t>
-            </a:r>
-          </a:p>
-          <a:p>
-            <a:br>
-              <a:rPr lang="en-US" altLang="zh-CN" sz="800" dirty="0"/>
-            </a:br>
-            <a:r>
-              <a:rPr lang="en-US" altLang="zh-CN" sz="800" dirty="0"/>
-              <a:t>void </a:t>
-            </a:r>
-            <a:r>
-              <a:rPr lang="en-US" altLang="zh-CN" sz="800" dirty="0" err="1"/>
-              <a:t>dfsdecrease</a:t>
-            </a:r>
-            <a:r>
-              <a:rPr lang="en-US" altLang="zh-CN" sz="800" dirty="0"/>
-              <a:t>(int </a:t>
-            </a:r>
-            <a:r>
-              <a:rPr lang="en-US" altLang="zh-CN" sz="800" dirty="0" err="1"/>
-              <a:t>x,float</a:t>
-            </a:r>
-            <a:r>
-              <a:rPr lang="en-US" altLang="zh-CN" sz="800" dirty="0"/>
-              <a:t> c_2_trans,float c3){</a:t>
-            </a:r>
-          </a:p>
-          <a:p>
-            <a:r>
-              <a:rPr lang="en-US" altLang="zh-CN" sz="800" dirty="0"/>
-              <a:t>c[x].credit -= c_2_trans * c3;</a:t>
-            </a:r>
-          </a:p>
-          <a:p>
-            <a:r>
-              <a:rPr lang="en-US" altLang="zh-CN" sz="800" dirty="0"/>
-              <a:t>if(c_2_trans&lt;5) return;</a:t>
-            </a:r>
-          </a:p>
-          <a:p>
-            <a:r>
-              <a:rPr lang="en-US" altLang="zh-CN" sz="800" dirty="0"/>
-              <a:t>for(int </a:t>
-            </a:r>
-            <a:r>
-              <a:rPr lang="en-US" altLang="zh-CN" sz="800" dirty="0" err="1"/>
-              <a:t>sx</a:t>
-            </a:r>
-            <a:r>
-              <a:rPr lang="en-US" altLang="zh-CN" sz="800" dirty="0"/>
-              <a:t> : c[x].son)</a:t>
-            </a:r>
-          </a:p>
-          <a:p>
-            <a:r>
-              <a:rPr lang="en-US" altLang="zh-CN" sz="800" dirty="0" err="1"/>
-              <a:t>dfsdecrease</a:t>
-            </a:r>
-            <a:r>
-              <a:rPr lang="en-US" altLang="zh-CN" sz="800" dirty="0"/>
-              <a:t>(sx,c_2_trans*c3,c3);</a:t>
-            </a:r>
-          </a:p>
-          <a:p>
-            <a:r>
-              <a:rPr lang="en-US" altLang="zh-CN" sz="800" dirty="0"/>
-              <a:t>}</a:t>
-            </a:r>
-          </a:p>
-          <a:p>
-            <a:br>
-              <a:rPr lang="en-US" altLang="zh-CN" sz="800" dirty="0"/>
-            </a:br>
-            <a:r>
-              <a:rPr lang="en-US" altLang="zh-CN" sz="800" dirty="0"/>
-              <a:t>void decrease(float c_1,float c_2,float c_3){</a:t>
-            </a:r>
-          </a:p>
-          <a:p>
-            <a:r>
-              <a:rPr lang="en-US" altLang="zh-CN" sz="800" dirty="0"/>
-              <a:t>for(int </a:t>
-            </a:r>
-            <a:r>
-              <a:rPr lang="en-US" altLang="zh-CN" sz="800" dirty="0" err="1"/>
-              <a:t>i</a:t>
-            </a:r>
-            <a:r>
-              <a:rPr lang="en-US" altLang="zh-CN" sz="800" dirty="0"/>
-              <a:t> : </a:t>
-            </a:r>
-            <a:r>
-              <a:rPr lang="en-US" altLang="zh-CN" sz="800" dirty="0" err="1"/>
-              <a:t>badShow</a:t>
-            </a:r>
-            <a:r>
-              <a:rPr lang="en-US" altLang="zh-CN" sz="800" dirty="0"/>
-              <a:t>){</a:t>
-            </a:r>
-          </a:p>
-          <a:p>
-            <a:r>
-              <a:rPr lang="en-US" altLang="zh-CN" sz="800" dirty="0"/>
-              <a:t>for(int j : c[</a:t>
-            </a:r>
-            <a:r>
-              <a:rPr lang="en-US" altLang="zh-CN" sz="800" dirty="0" err="1"/>
-              <a:t>i</a:t>
-            </a:r>
-            <a:r>
-              <a:rPr lang="en-US" altLang="zh-CN" sz="800" dirty="0"/>
-              <a:t>].pa){</a:t>
-            </a:r>
-          </a:p>
-          <a:p>
-            <a:r>
-              <a:rPr lang="en-US" altLang="zh-CN" sz="800" dirty="0"/>
-              <a:t>c[j].credit -= c_1;</a:t>
-            </a:r>
-          </a:p>
-          <a:p>
-            <a:r>
-              <a:rPr lang="en-US" altLang="zh-CN" sz="800" dirty="0"/>
-              <a:t>for(int k : c[j].son)</a:t>
-            </a:r>
-          </a:p>
-          <a:p>
-            <a:r>
-              <a:rPr lang="en-US" altLang="zh-CN" sz="800" dirty="0"/>
-              <a:t>c[k].credit -= c_1;</a:t>
-            </a:r>
-          </a:p>
-          <a:p>
-            <a:r>
-              <a:rPr lang="en-US" altLang="zh-CN" sz="800" dirty="0"/>
-              <a:t>}</a:t>
-            </a:r>
-          </a:p>
-          <a:p>
-            <a:r>
-              <a:rPr lang="en-US" altLang="zh-CN" sz="800" dirty="0"/>
-              <a:t>for(int j : c[</a:t>
-            </a:r>
-            <a:r>
-              <a:rPr lang="en-US" altLang="zh-CN" sz="800" dirty="0" err="1"/>
-              <a:t>i</a:t>
-            </a:r>
-            <a:r>
-              <a:rPr lang="en-US" altLang="zh-CN" sz="800" dirty="0"/>
-              <a:t>].son)</a:t>
-            </a:r>
-          </a:p>
-          <a:p>
-            <a:r>
-              <a:rPr lang="en-US" altLang="zh-CN" sz="800" dirty="0" err="1"/>
-              <a:t>dfsdecrease</a:t>
-            </a:r>
-            <a:r>
-              <a:rPr lang="en-US" altLang="zh-CN" sz="800" dirty="0"/>
-              <a:t>(j,c_2,c_3);</a:t>
-            </a:r>
-          </a:p>
-          <a:p>
-            <a:r>
-              <a:rPr lang="en-US" altLang="zh-CN" sz="800" dirty="0"/>
-              <a:t>}</a:t>
-            </a:r>
-          </a:p>
-          <a:p>
-            <a:r>
-              <a:rPr lang="en-US" altLang="zh-CN" sz="800" dirty="0"/>
-              <a:t>}</a:t>
-            </a:r>
-          </a:p>
-          <a:p>
-            <a:br>
-              <a:rPr lang="en-US" altLang="zh-CN" sz="800" dirty="0"/>
-            </a:br>
-            <a:r>
-              <a:rPr lang="en-US" altLang="zh-CN" sz="800" dirty="0"/>
-              <a:t>int main(){</a:t>
-            </a:r>
-          </a:p>
-          <a:p>
-            <a:r>
-              <a:rPr lang="en-US" altLang="zh-CN" sz="800" dirty="0" err="1"/>
-              <a:t>srand</a:t>
-            </a:r>
-            <a:r>
-              <a:rPr lang="en-US" altLang="zh-CN" sz="800" dirty="0"/>
-              <a:t>(19260817);</a:t>
-            </a:r>
-          </a:p>
-          <a:p>
-            <a:r>
-              <a:rPr lang="en-US" altLang="zh-CN" sz="800" dirty="0"/>
-              <a:t>rep(</a:t>
-            </a:r>
-            <a:r>
-              <a:rPr lang="en-US" altLang="zh-CN" sz="800" dirty="0" err="1"/>
-              <a:t>i,MAXM</a:t>
-            </a:r>
-            <a:r>
-              <a:rPr lang="en-US" altLang="zh-CN" sz="800" dirty="0"/>
-              <a:t>){</a:t>
-            </a:r>
-          </a:p>
-          <a:p>
-            <a:r>
-              <a:rPr lang="en-US" altLang="zh-CN" sz="800" dirty="0"/>
-              <a:t>c[</a:t>
-            </a:r>
-            <a:r>
-              <a:rPr lang="en-US" altLang="zh-CN" sz="800" dirty="0" err="1"/>
-              <a:t>i</a:t>
-            </a:r>
-            <a:r>
-              <a:rPr lang="en-US" altLang="zh-CN" sz="800" dirty="0"/>
-              <a:t>].credit = 450 + rand()%SHOWCOUNT;</a:t>
-            </a:r>
-          </a:p>
-          <a:p>
-            <a:r>
-              <a:rPr lang="en-US" altLang="zh-CN" sz="800" dirty="0"/>
-              <a:t>int inv = rand()%3;</a:t>
-            </a:r>
-          </a:p>
-          <a:p>
-            <a:r>
-              <a:rPr lang="en-US" altLang="zh-CN" sz="800" dirty="0"/>
-              <a:t>for(int j=0;j&lt;</a:t>
-            </a:r>
-            <a:r>
-              <a:rPr lang="en-US" altLang="zh-CN" sz="800" dirty="0" err="1"/>
-              <a:t>inv;j</a:t>
-            </a:r>
-            <a:r>
-              <a:rPr lang="en-US" altLang="zh-CN" sz="800" dirty="0"/>
-              <a:t>++){</a:t>
-            </a:r>
-          </a:p>
-          <a:p>
-            <a:r>
-              <a:rPr lang="en-US" altLang="zh-CN" sz="800" dirty="0"/>
-              <a:t>int </a:t>
-            </a:r>
-            <a:r>
-              <a:rPr lang="en-US" altLang="zh-CN" sz="800" dirty="0" err="1"/>
-              <a:t>invi</a:t>
-            </a:r>
-            <a:r>
-              <a:rPr lang="en-US" altLang="zh-CN" sz="800" dirty="0"/>
-              <a:t> = </a:t>
-            </a:r>
-            <a:r>
-              <a:rPr lang="en-US" altLang="zh-CN" sz="800" dirty="0" err="1"/>
-              <a:t>gen_people</a:t>
-            </a:r>
-            <a:r>
-              <a:rPr lang="en-US" altLang="zh-CN" sz="800" dirty="0"/>
-              <a:t>();</a:t>
-            </a:r>
-          </a:p>
-          <a:p>
-            <a:r>
-              <a:rPr lang="en-US" altLang="zh-CN" sz="800" dirty="0"/>
-              <a:t>if(</a:t>
-            </a:r>
-            <a:r>
-              <a:rPr lang="en-US" altLang="zh-CN" sz="800" dirty="0" err="1"/>
-              <a:t>invi</a:t>
-            </a:r>
-            <a:r>
-              <a:rPr lang="en-US" altLang="zh-CN" sz="800" dirty="0"/>
-              <a:t>==</a:t>
-            </a:r>
-            <a:r>
-              <a:rPr lang="en-US" altLang="zh-CN" sz="800" dirty="0" err="1"/>
-              <a:t>i</a:t>
-            </a:r>
-            <a:r>
-              <a:rPr lang="en-US" altLang="zh-CN" sz="800" dirty="0"/>
-              <a:t>){j--;continue;}</a:t>
-            </a:r>
-          </a:p>
-          <a:p>
-            <a:r>
-              <a:rPr lang="en-US" altLang="zh-CN" sz="800" dirty="0"/>
-              <a:t>c[</a:t>
-            </a:r>
-            <a:r>
-              <a:rPr lang="en-US" altLang="zh-CN" sz="800" dirty="0" err="1"/>
-              <a:t>i</a:t>
-            </a:r>
-            <a:r>
-              <a:rPr lang="en-US" altLang="zh-CN" sz="800" dirty="0"/>
-              <a:t>].</a:t>
-            </a:r>
-            <a:r>
-              <a:rPr lang="en-US" altLang="zh-CN" sz="800" dirty="0" err="1"/>
-              <a:t>son.push_back</a:t>
-            </a:r>
-            <a:r>
-              <a:rPr lang="en-US" altLang="zh-CN" sz="800" dirty="0"/>
-              <a:t>(</a:t>
-            </a:r>
-            <a:r>
-              <a:rPr lang="en-US" altLang="zh-CN" sz="800" dirty="0" err="1"/>
-              <a:t>invi</a:t>
-            </a:r>
-            <a:r>
-              <a:rPr lang="en-US" altLang="zh-CN" sz="800" dirty="0"/>
-              <a:t>);</a:t>
-            </a:r>
-          </a:p>
-          <a:p>
-            <a:r>
-              <a:rPr lang="en-US" altLang="zh-CN" sz="800" dirty="0"/>
-              <a:t>c[</a:t>
-            </a:r>
-            <a:r>
-              <a:rPr lang="en-US" altLang="zh-CN" sz="800" dirty="0" err="1"/>
-              <a:t>invi</a:t>
-            </a:r>
-            <a:r>
-              <a:rPr lang="en-US" altLang="zh-CN" sz="800" dirty="0"/>
-              <a:t>].</a:t>
-            </a:r>
-            <a:r>
-              <a:rPr lang="en-US" altLang="zh-CN" sz="800" dirty="0" err="1"/>
-              <a:t>pa.push_back</a:t>
-            </a:r>
-            <a:r>
-              <a:rPr lang="en-US" altLang="zh-CN" sz="800" dirty="0"/>
-              <a:t>(</a:t>
-            </a:r>
-            <a:r>
-              <a:rPr lang="en-US" altLang="zh-CN" sz="800" dirty="0" err="1"/>
-              <a:t>i</a:t>
-            </a:r>
-            <a:r>
-              <a:rPr lang="en-US" altLang="zh-CN" sz="800" dirty="0"/>
-              <a:t>);</a:t>
-            </a:r>
-          </a:p>
-          <a:p>
-            <a:r>
-              <a:rPr lang="en-US" altLang="zh-CN" sz="800" dirty="0"/>
-              <a:t>}</a:t>
-            </a:r>
-          </a:p>
-          <a:p>
-            <a:r>
-              <a:rPr lang="en-US" altLang="zh-CN" sz="800" dirty="0"/>
-              <a:t>}</a:t>
-            </a:r>
-          </a:p>
-          <a:p>
-            <a:r>
-              <a:rPr lang="en-US" altLang="zh-CN" sz="800" dirty="0"/>
-              <a:t>rep(</a:t>
-            </a:r>
-            <a:r>
-              <a:rPr lang="en-US" altLang="zh-CN" sz="800" dirty="0" err="1"/>
-              <a:t>i,SHOWCOUNT</a:t>
-            </a:r>
-            <a:r>
-              <a:rPr lang="en-US" altLang="zh-CN" sz="800" dirty="0"/>
-              <a:t>) {</a:t>
-            </a:r>
-          </a:p>
-          <a:p>
-            <a:r>
-              <a:rPr lang="en-US" altLang="zh-CN" sz="800" dirty="0"/>
-              <a:t>int p = </a:t>
-            </a:r>
-            <a:r>
-              <a:rPr lang="en-US" altLang="zh-CN" sz="800" dirty="0" err="1"/>
-              <a:t>gen_people</a:t>
-            </a:r>
-            <a:r>
-              <a:rPr lang="en-US" altLang="zh-CN" sz="800" dirty="0"/>
-              <a:t>();</a:t>
-            </a:r>
-          </a:p>
-          <a:p>
-            <a:r>
-              <a:rPr lang="en-US" altLang="zh-CN" sz="800" dirty="0" err="1"/>
-              <a:t>badShow.push_back</a:t>
-            </a:r>
-            <a:r>
-              <a:rPr lang="en-US" altLang="zh-CN" sz="800" dirty="0"/>
-              <a:t>(p);</a:t>
-            </a:r>
-          </a:p>
-          <a:p>
-            <a:r>
-              <a:rPr lang="en-US" altLang="zh-CN" sz="800" dirty="0"/>
-              <a:t>c[p].credit = 250 + rand()%SHOWCOUNT;</a:t>
-            </a:r>
-          </a:p>
-          <a:p>
-            <a:r>
-              <a:rPr lang="en-US" altLang="zh-CN" sz="800" dirty="0"/>
-              <a:t>}</a:t>
-            </a:r>
-          </a:p>
-          <a:p>
-            <a:r>
-              <a:rPr lang="en-US" altLang="zh-CN" sz="800" dirty="0"/>
-              <a:t>rep(</a:t>
-            </a:r>
-            <a:r>
-              <a:rPr lang="en-US" altLang="zh-CN" sz="800" dirty="0" err="1"/>
-              <a:t>i,HIDECOUNT</a:t>
-            </a:r>
-            <a:r>
-              <a:rPr lang="en-US" altLang="zh-CN" sz="800" dirty="0"/>
-              <a:t>){</a:t>
-            </a:r>
-          </a:p>
-          <a:p>
-            <a:r>
-              <a:rPr lang="en-US" altLang="zh-CN" sz="800" dirty="0"/>
-              <a:t>int p = </a:t>
-            </a:r>
-            <a:r>
-              <a:rPr lang="en-US" altLang="zh-CN" sz="800" dirty="0" err="1"/>
-              <a:t>gen_people</a:t>
-            </a:r>
-            <a:r>
-              <a:rPr lang="en-US" altLang="zh-CN" sz="800" dirty="0"/>
-              <a:t>();</a:t>
-            </a:r>
-          </a:p>
-          <a:p>
-            <a:r>
-              <a:rPr lang="en-US" altLang="zh-CN" sz="800" dirty="0"/>
-              <a:t>vector&lt;int&gt;::iterator </a:t>
-            </a:r>
-            <a:r>
-              <a:rPr lang="en-US" altLang="zh-CN" sz="800" dirty="0" err="1"/>
-              <a:t>iter</a:t>
-            </a:r>
-            <a:r>
-              <a:rPr lang="en-US" altLang="zh-CN" sz="800" dirty="0"/>
-              <a:t> = find(</a:t>
-            </a:r>
-            <a:r>
-              <a:rPr lang="en-US" altLang="zh-CN" sz="800" dirty="0" err="1"/>
-              <a:t>badShow.begin</a:t>
-            </a:r>
-            <a:r>
-              <a:rPr lang="en-US" altLang="zh-CN" sz="800" dirty="0"/>
-              <a:t>(),</a:t>
-            </a:r>
-            <a:r>
-              <a:rPr lang="en-US" altLang="zh-CN" sz="800" dirty="0" err="1"/>
-              <a:t>badShow.end</a:t>
-            </a:r>
-            <a:r>
-              <a:rPr lang="en-US" altLang="zh-CN" sz="800" dirty="0"/>
-              <a:t>(),p);</a:t>
-            </a:r>
-          </a:p>
-          <a:p>
-            <a:r>
-              <a:rPr lang="en-US" altLang="zh-CN" sz="800" dirty="0"/>
-              <a:t>if(</a:t>
-            </a:r>
-            <a:r>
-              <a:rPr lang="en-US" altLang="zh-CN" sz="800" dirty="0" err="1"/>
-              <a:t>iter</a:t>
-            </a:r>
-            <a:r>
-              <a:rPr lang="en-US" altLang="zh-CN" sz="800" dirty="0"/>
-              <a:t>==</a:t>
-            </a:r>
-            <a:r>
-              <a:rPr lang="en-US" altLang="zh-CN" sz="800" dirty="0" err="1"/>
-              <a:t>badShow.end</a:t>
-            </a:r>
-            <a:r>
-              <a:rPr lang="en-US" altLang="zh-CN" sz="800" dirty="0"/>
-              <a:t>()) {</a:t>
-            </a:r>
-          </a:p>
-          <a:p>
-            <a:r>
-              <a:rPr lang="en-US" altLang="zh-CN" sz="800" dirty="0" err="1"/>
-              <a:t>badHide.push_back</a:t>
-            </a:r>
-            <a:r>
-              <a:rPr lang="en-US" altLang="zh-CN" sz="800" dirty="0"/>
-              <a:t>(p);</a:t>
-            </a:r>
-          </a:p>
-          <a:p>
-            <a:r>
-              <a:rPr lang="en-US" altLang="zh-CN" sz="800" dirty="0"/>
-              <a:t>c[p].credit = 350 + rand()%HIDECOUNT;</a:t>
-            </a:r>
-          </a:p>
-          <a:p>
-            <a:r>
-              <a:rPr lang="en-US" altLang="zh-CN" sz="800" dirty="0"/>
-              <a:t>}</a:t>
-            </a:r>
-          </a:p>
-          <a:p>
-            <a:r>
-              <a:rPr lang="en-US" altLang="zh-CN" sz="800" dirty="0"/>
-              <a:t>else </a:t>
-            </a:r>
-            <a:r>
-              <a:rPr lang="en-US" altLang="zh-CN" sz="800" dirty="0" err="1"/>
-              <a:t>i</a:t>
-            </a:r>
-            <a:r>
-              <a:rPr lang="en-US" altLang="zh-CN" sz="800" dirty="0"/>
-              <a:t>--;</a:t>
-            </a:r>
-          </a:p>
-          <a:p>
-            <a:r>
-              <a:rPr lang="en-US" altLang="zh-CN" sz="800" dirty="0"/>
-              <a:t>}</a:t>
-            </a:r>
-          </a:p>
-          <a:p>
-            <a:r>
-              <a:rPr lang="en-US" altLang="zh-CN" sz="800" dirty="0"/>
-              <a:t>rep(i,HIDECOUNT+4){</a:t>
-            </a:r>
-          </a:p>
-          <a:p>
-            <a:r>
-              <a:rPr lang="en-US" altLang="zh-CN" sz="800" dirty="0"/>
-              <a:t>int p1 = rand()%SHOWCOUNT , p2 = rand()%HIDECOUNT ;</a:t>
-            </a:r>
-          </a:p>
-          <a:p>
-            <a:r>
-              <a:rPr lang="en-US" altLang="zh-CN" sz="800" dirty="0"/>
-              <a:t>c[</a:t>
-            </a:r>
-            <a:r>
-              <a:rPr lang="en-US" altLang="zh-CN" sz="800" dirty="0" err="1"/>
-              <a:t>badShow</a:t>
-            </a:r>
-            <a:r>
-              <a:rPr lang="en-US" altLang="zh-CN" sz="800" dirty="0"/>
-              <a:t>[p1]].</a:t>
-            </a:r>
-            <a:r>
-              <a:rPr lang="en-US" altLang="zh-CN" sz="800" dirty="0" err="1"/>
-              <a:t>son.push_back</a:t>
-            </a:r>
-            <a:r>
-              <a:rPr lang="en-US" altLang="zh-CN" sz="800" dirty="0"/>
-              <a:t>(</a:t>
-            </a:r>
-            <a:r>
-              <a:rPr lang="en-US" altLang="zh-CN" sz="800" dirty="0" err="1"/>
-              <a:t>badHide</a:t>
-            </a:r>
-            <a:r>
-              <a:rPr lang="en-US" altLang="zh-CN" sz="800" dirty="0"/>
-              <a:t>[p2]);</a:t>
-            </a:r>
-          </a:p>
-          <a:p>
-            <a:r>
-              <a:rPr lang="en-US" altLang="zh-CN" sz="800" dirty="0"/>
-              <a:t>c[</a:t>
-            </a:r>
-            <a:r>
-              <a:rPr lang="en-US" altLang="zh-CN" sz="800" dirty="0" err="1"/>
-              <a:t>badHide</a:t>
-            </a:r>
-            <a:r>
-              <a:rPr lang="en-US" altLang="zh-CN" sz="800" dirty="0"/>
-              <a:t>[p2]].</a:t>
-            </a:r>
-            <a:r>
-              <a:rPr lang="en-US" altLang="zh-CN" sz="800" dirty="0" err="1"/>
-              <a:t>pa.push_back</a:t>
-            </a:r>
-            <a:r>
-              <a:rPr lang="en-US" altLang="zh-CN" sz="800" dirty="0"/>
-              <a:t>(</a:t>
-            </a:r>
-            <a:r>
-              <a:rPr lang="en-US" altLang="zh-CN" sz="800" dirty="0" err="1"/>
-              <a:t>badShow</a:t>
-            </a:r>
-            <a:r>
-              <a:rPr lang="en-US" altLang="zh-CN" sz="800" dirty="0"/>
-              <a:t>[p1]);</a:t>
-            </a:r>
-          </a:p>
-          <a:p>
-            <a:r>
-              <a:rPr lang="en-US" altLang="zh-CN" sz="800" dirty="0"/>
-              <a:t>}</a:t>
-            </a:r>
-          </a:p>
-          <a:p>
-            <a:r>
-              <a:rPr lang="en-US" altLang="zh-CN" sz="800" dirty="0" err="1"/>
-              <a:t>cout</a:t>
-            </a:r>
-            <a:r>
-              <a:rPr lang="en-US" altLang="zh-CN" sz="800" dirty="0"/>
-              <a:t>&lt;&lt;"The data has been generated!"&lt;&lt;</a:t>
-            </a:r>
-            <a:r>
-              <a:rPr lang="en-US" altLang="zh-CN" sz="800" dirty="0" err="1"/>
-              <a:t>endl</a:t>
-            </a:r>
-            <a:r>
-              <a:rPr lang="en-US" altLang="zh-CN" sz="800" dirty="0"/>
-              <a:t>;</a:t>
-            </a:r>
-          </a:p>
-          <a:p>
-            <a:r>
-              <a:rPr lang="en-US" altLang="zh-CN" sz="800" dirty="0"/>
-              <a:t>decrease(keyC1,keyC2,keyC3);</a:t>
-            </a:r>
-          </a:p>
-          <a:p>
-            <a:r>
-              <a:rPr lang="en-US" altLang="zh-CN" sz="800" dirty="0"/>
-              <a:t>int </a:t>
-            </a:r>
-            <a:r>
-              <a:rPr lang="en-US" altLang="zh-CN" sz="800" dirty="0" err="1"/>
-              <a:t>cnt</a:t>
-            </a:r>
-            <a:r>
-              <a:rPr lang="en-US" altLang="zh-CN" sz="800" dirty="0"/>
-              <a:t> = 0 , cnt2 = 0;</a:t>
-            </a:r>
-          </a:p>
-          <a:p>
-            <a:r>
-              <a:rPr lang="en-US" altLang="zh-CN" sz="800" dirty="0"/>
-              <a:t>rep(</a:t>
-            </a:r>
-            <a:r>
-              <a:rPr lang="en-US" altLang="zh-CN" sz="800" dirty="0" err="1"/>
-              <a:t>i,MAXM</a:t>
-            </a:r>
-            <a:r>
-              <a:rPr lang="en-US" altLang="zh-CN" sz="800" dirty="0"/>
-              <a:t>){</a:t>
-            </a:r>
-          </a:p>
-          <a:p>
-            <a:r>
-              <a:rPr lang="en-US" altLang="zh-CN" sz="800" dirty="0"/>
-              <a:t>if(c[</a:t>
-            </a:r>
-            <a:r>
-              <a:rPr lang="en-US" altLang="zh-CN" sz="800" dirty="0" err="1"/>
-              <a:t>i</a:t>
-            </a:r>
-            <a:r>
-              <a:rPr lang="en-US" altLang="zh-CN" sz="800" dirty="0"/>
-              <a:t>].credit&lt;300){</a:t>
-            </a:r>
-          </a:p>
-          <a:p>
-            <a:r>
-              <a:rPr lang="en-US" altLang="zh-CN" sz="800" dirty="0"/>
-              <a:t>cnt2++;</a:t>
-            </a:r>
-          </a:p>
-          <a:p>
-            <a:r>
-              <a:rPr lang="en-US" altLang="zh-CN" sz="800" dirty="0"/>
-              <a:t>vector&lt;int&gt;::iterator </a:t>
-            </a:r>
-            <a:r>
-              <a:rPr lang="en-US" altLang="zh-CN" sz="800" dirty="0" err="1"/>
-              <a:t>iter</a:t>
-            </a:r>
-            <a:r>
-              <a:rPr lang="en-US" altLang="zh-CN" sz="800" dirty="0"/>
-              <a:t> = find(</a:t>
-            </a:r>
-            <a:r>
-              <a:rPr lang="en-US" altLang="zh-CN" sz="800" dirty="0" err="1"/>
-              <a:t>badHide.begin</a:t>
-            </a:r>
-            <a:r>
-              <a:rPr lang="en-US" altLang="zh-CN" sz="800" dirty="0"/>
-              <a:t>(),</a:t>
-            </a:r>
-            <a:r>
-              <a:rPr lang="en-US" altLang="zh-CN" sz="800" dirty="0" err="1"/>
-              <a:t>badHide.end</a:t>
-            </a:r>
-            <a:r>
-              <a:rPr lang="en-US" altLang="zh-CN" sz="800" dirty="0"/>
-              <a:t>(),</a:t>
-            </a:r>
-            <a:r>
-              <a:rPr lang="en-US" altLang="zh-CN" sz="800" dirty="0" err="1"/>
-              <a:t>i</a:t>
-            </a:r>
-            <a:r>
-              <a:rPr lang="en-US" altLang="zh-CN" sz="800" dirty="0"/>
-              <a:t>);</a:t>
-            </a:r>
-          </a:p>
-          <a:p>
-            <a:r>
-              <a:rPr lang="en-US" altLang="zh-CN" sz="800" dirty="0" err="1"/>
-              <a:t>cnt</a:t>
-            </a:r>
-            <a:r>
-              <a:rPr lang="en-US" altLang="zh-CN" sz="800" dirty="0"/>
-              <a:t> += (</a:t>
-            </a:r>
-            <a:r>
-              <a:rPr lang="en-US" altLang="zh-CN" sz="800" dirty="0" err="1"/>
-              <a:t>iter</a:t>
-            </a:r>
-            <a:r>
-              <a:rPr lang="en-US" altLang="zh-CN" sz="800" dirty="0"/>
-              <a:t>!=</a:t>
-            </a:r>
-            <a:r>
-              <a:rPr lang="en-US" altLang="zh-CN" sz="800" dirty="0" err="1"/>
-              <a:t>badHide.end</a:t>
-            </a:r>
-            <a:r>
-              <a:rPr lang="en-US" altLang="zh-CN" sz="800" dirty="0"/>
-              <a:t>());</a:t>
-            </a:r>
-          </a:p>
-          <a:p>
-            <a:r>
-              <a:rPr lang="en-US" altLang="zh-CN" sz="800" dirty="0"/>
-              <a:t>}</a:t>
-            </a:r>
-          </a:p>
-          <a:p>
-            <a:r>
-              <a:rPr lang="en-US" altLang="zh-CN" sz="800" dirty="0"/>
-              <a:t>}</a:t>
-            </a:r>
-          </a:p>
-          <a:p>
-            <a:r>
-              <a:rPr lang="en-US" altLang="zh-CN" sz="800" dirty="0" err="1"/>
-              <a:t>cout</a:t>
-            </a:r>
-            <a:r>
-              <a:rPr lang="en-US" altLang="zh-CN" sz="800" dirty="0"/>
-              <a:t>&lt;&lt;"The algorithm </a:t>
-            </a:r>
-            <a:r>
-              <a:rPr lang="en-US" altLang="zh-CN" sz="800" dirty="0" err="1"/>
-              <a:t>accurates</a:t>
-            </a:r>
-            <a:r>
-              <a:rPr lang="en-US" altLang="zh-CN" sz="800" dirty="0"/>
-              <a:t> : "&lt;&lt;1-1.0*abs(cnt2-WRONGCNT)/WRONGCNT&lt;&lt;</a:t>
-            </a:r>
-            <a:r>
-              <a:rPr lang="en-US" altLang="zh-CN" sz="800" dirty="0" err="1"/>
-              <a:t>endl</a:t>
-            </a:r>
-            <a:r>
-              <a:rPr lang="en-US" altLang="zh-CN" sz="800" dirty="0"/>
-              <a:t>;</a:t>
-            </a:r>
-          </a:p>
-          <a:p>
-            <a:r>
-              <a:rPr lang="en-US" altLang="zh-CN" sz="800" dirty="0" err="1"/>
-              <a:t>cout</a:t>
-            </a:r>
-            <a:r>
-              <a:rPr lang="en-US" altLang="zh-CN" sz="800" dirty="0"/>
-              <a:t>&lt;&lt;"The TP is : "&lt;&lt;1.0*cnt2/(cnt2+abs(cnt2-WRONGCNT))&lt;&lt;</a:t>
-            </a:r>
-            <a:r>
-              <a:rPr lang="en-US" altLang="zh-CN" sz="800" dirty="0" err="1"/>
-              <a:t>endl</a:t>
-            </a:r>
-            <a:r>
-              <a:rPr lang="en-US" altLang="zh-CN" sz="800" dirty="0"/>
-              <a:t>;</a:t>
-            </a:r>
-          </a:p>
-          <a:p>
-            <a:r>
-              <a:rPr lang="en-US" altLang="zh-CN" sz="800" dirty="0" err="1"/>
-              <a:t>cout</a:t>
-            </a:r>
-            <a:r>
-              <a:rPr lang="en-US" altLang="zh-CN" sz="800" dirty="0"/>
-              <a:t>&lt;&lt;"The R is : "&lt;&lt;1.0*cnt2/(cnt2+HIDECOUNT-cnt)&lt;&lt;</a:t>
-            </a:r>
-            <a:r>
-              <a:rPr lang="en-US" altLang="zh-CN" sz="800" dirty="0" err="1"/>
-              <a:t>endl</a:t>
-            </a:r>
-            <a:r>
-              <a:rPr lang="en-US" altLang="zh-CN" sz="800" dirty="0"/>
-              <a:t>;</a:t>
-            </a:r>
-          </a:p>
-          <a:p>
-            <a:r>
-              <a:rPr lang="en-US" altLang="zh-CN" sz="800" dirty="0"/>
-              <a:t>return 0;</a:t>
-            </a:r>
-          </a:p>
-          <a:p>
-            <a:r>
-              <a:rPr lang="en-US" altLang="zh-CN" sz="800" dirty="0"/>
-              <a:t>}</a:t>
-            </a:r>
-          </a:p>
           <a:p>
             <a:endParaRPr lang="zh-CN" altLang="en-US" sz="800" dirty="0"/>
           </a:p>
@@ -10707,10 +9813,15 @@
                             </p:stCondLst>
                             <p:childTnLst>
                               <p:par>
-                                <p:cTn id="5" presetID="2" presetClass="exit" presetSubtype="1" fill="hold" grpId="0" nodeType="afterEffect">
+                                <p:cTn id="5" presetID="2" presetClass="exit" presetSubtype="1" fill="hold" grpId="0" nodeType="afterEffect" nodePh="1">
                                   <p:stCondLst>
                                     <p:cond delay="0"/>
                                   </p:stCondLst>
+                                  <p:endCondLst>
+                                    <p:cond evt="begin" delay="0">
+                                      <p:tn val="5"/>
+                                    </p:cond>
+                                  </p:endCondLst>
                                   <p:childTnLst>
                                     <p:anim calcmode="lin" valueType="num">
                                       <p:cBhvr additive="base">
@@ -10776,6 +9887,97 @@
                                         <p:strVal val="hidden"/>
                                       </p:to>
                                     </p:set>
+                                  </p:childTnLst>
+                                </p:cTn>
+                              </p:par>
+                            </p:childTnLst>
+                          </p:cTn>
+                        </p:par>
+                      </p:childTnLst>
+                    </p:cTn>
+                  </p:par>
+                  <p:par>
+                    <p:cTn id="9" fill="hold">
+                      <p:stCondLst>
+                        <p:cond delay="indefinite"/>
+                      </p:stCondLst>
+                      <p:childTnLst>
+                        <p:par>
+                          <p:cTn id="10" fill="hold">
+                            <p:stCondLst>
+                              <p:cond delay="0"/>
+                            </p:stCondLst>
+                            <p:childTnLst>
+                              <p:par>
+                                <p:cTn id="11" presetID="2" presetClass="entr" presetSubtype="4" fill="hold" nodeType="clickEffect">
+                                  <p:stCondLst>
+                                    <p:cond delay="0"/>
+                                  </p:stCondLst>
+                                  <p:childTnLst>
+                                    <p:set>
+                                      <p:cBhvr>
+                                        <p:cTn id="12" dur="1" fill="hold">
+                                          <p:stCondLst>
+                                            <p:cond delay="0"/>
+                                          </p:stCondLst>
+                                        </p:cTn>
+                                        <p:tgtEl>
+                                          <p:spTgt spid="1025"/>
+                                        </p:tgtEl>
+                                        <p:attrNameLst>
+                                          <p:attrName>style.visibility</p:attrName>
+                                        </p:attrNameLst>
+                                      </p:cBhvr>
+                                      <p:to>
+                                        <p:strVal val="visible"/>
+                                      </p:to>
+                                    </p:set>
+                                    <p:anim calcmode="lin" valueType="num">
+                                      <p:cBhvr additive="base">
+                                        <p:cTn id="13" dur="20000" fill="hold"/>
+                                        <p:tgtEl>
+                                          <p:spTgt spid="1025"/>
+                                        </p:tgtEl>
+                                        <p:attrNameLst>
+                                          <p:attrName>ppt_x</p:attrName>
+                                        </p:attrNameLst>
+                                      </p:cBhvr>
+                                      <p:tavLst>
+                                        <p:tav tm="0">
+                                          <p:val>
+                                            <p:strVal val="#ppt_x"/>
+                                          </p:val>
+                                        </p:tav>
+                                        <p:tav tm="100000">
+                                          <p:val>
+                                            <p:strVal val="#ppt_x"/>
+                                          </p:val>
+                                        </p:tav>
+                                      </p:tavLst>
+                                    </p:anim>
+                                    <p:anim calcmode="lin" valueType="num">
+                                      <p:cBhvr additive="base">
+                                        <p:cTn id="14" dur="20000" fill="hold"/>
+                                        <p:tgtEl>
+                                          <p:spTgt spid="1025"/>
+                                        </p:tgtEl>
+                                        <p:attrNameLst>
+                                          <p:attrName>ppt_y</p:attrName>
+                                        </p:attrNameLst>
+                                      </p:cBhvr>
+                                      <p:tavLst>
+                                        <p:tav tm="0">
+                                          <p:val>
+                                            <p:strVal val="1+#ppt_h/2"/>
+                                          </p:val>
+                                        </p:tav>
+                                        <p:tav tm="100000">
+                                          <p:val>
+                                            <p:strVal val="#ppt_y"/>
+                                          </p:val>
+                                        </p:tav>
+                                      </p:tavLst>
+                                    </p:anim>
                                   </p:childTnLst>
                                 </p:cTn>
                               </p:par>

--- a/slides.pptx
+++ b/slides.pptx
@@ -1223,7 +1223,46 @@
                 <a:latin typeface="微软雅黑" panose="020B0503020204020204" pitchFamily="34" charset="-122"/>
                 <a:ea typeface="微软雅黑" panose="020B0503020204020204" pitchFamily="34" charset="-122"/>
               </a:rPr>
-              <a:t>“学生分”机制数值设定自动化方法。我们可以看在我们黑白测试中我们的准确率达到</a:t>
+              <a:t>“学生分”机制数值设定自动化方法。代码由我校现役</a:t>
+            </a:r>
+            <a:r>
+              <a:rPr lang="en-US" altLang="zh-CN" sz="1100" b="0" dirty="0">
+                <a:solidFill>
+                  <a:schemeClr val="tx1">
+                    <a:lumMod val="50000"/>
+                    <a:lumOff val="50000"/>
+                  </a:schemeClr>
+                </a:solidFill>
+                <a:latin typeface="微软雅黑" panose="020B0503020204020204" pitchFamily="34" charset="-122"/>
+                <a:ea typeface="微软雅黑" panose="020B0503020204020204" pitchFamily="34" charset="-122"/>
+              </a:rPr>
+              <a:t>ACM</a:t>
+            </a:r>
+            <a:r>
+              <a:rPr lang="zh-CN" altLang="en-US" sz="1100" b="0">
+                <a:solidFill>
+                  <a:schemeClr val="tx1">
+                    <a:lumMod val="50000"/>
+                    <a:lumOff val="50000"/>
+                  </a:schemeClr>
+                </a:solidFill>
+                <a:latin typeface="微软雅黑" panose="020B0503020204020204" pitchFamily="34" charset="-122"/>
+                <a:ea typeface="微软雅黑" panose="020B0503020204020204" pitchFamily="34" charset="-122"/>
+              </a:rPr>
+              <a:t>金牌选手写成，我们</a:t>
+            </a:r>
+            <a:r>
+              <a:rPr lang="zh-CN" altLang="en-US" sz="1100" b="0" dirty="0">
+                <a:solidFill>
+                  <a:schemeClr val="tx1">
+                    <a:lumMod val="50000"/>
+                    <a:lumOff val="50000"/>
+                  </a:schemeClr>
+                </a:solidFill>
+                <a:latin typeface="微软雅黑" panose="020B0503020204020204" pitchFamily="34" charset="-122"/>
+                <a:ea typeface="微软雅黑" panose="020B0503020204020204" pitchFamily="34" charset="-122"/>
+              </a:rPr>
+              <a:t>可以看在我们黑白测试中我们的准确率达到</a:t>
             </a:r>
             <a:r>
               <a:rPr lang="en-US" altLang="zh-CN" sz="1100" b="0" dirty="0">
@@ -1291,7 +1330,7 @@
               <a:t>93.33%</a:t>
             </a:r>
             <a:r>
-              <a:rPr lang="zh-CN" altLang="en-US" sz="1100" b="0">
+              <a:rPr lang="zh-CN" altLang="en-US" sz="1100" b="0" dirty="0">
                 <a:solidFill>
                   <a:schemeClr val="tx1">
                     <a:lumMod val="50000"/>
@@ -7388,7 +7427,7 @@
         </p:nvSpPr>
         <p:spPr>
           <a:xfrm>
-            <a:off x="543139" y="562802"/>
+            <a:off x="945475" y="575247"/>
             <a:ext cx="5717530" cy="716409"/>
           </a:xfrm>
           <a:prstGeom prst="rect">
@@ -8259,36 +8298,6 @@
           </p:txBody>
         </p:sp>
       </p:grpSp>
-      <p:pic>
-        <p:nvPicPr>
-          <p:cNvPr id="2" name="图片 1">
-            <a:extLst>
-              <a:ext uri="{FF2B5EF4-FFF2-40B4-BE49-F238E27FC236}">
-                <a16:creationId xmlns:a16="http://schemas.microsoft.com/office/drawing/2014/main" id="{7790E83E-3F39-424F-B6F7-77DC5F21B568}"/>
-              </a:ext>
-            </a:extLst>
-          </p:cNvPr>
-          <p:cNvPicPr>
-            <a:picLocks noChangeAspect="1"/>
-          </p:cNvPicPr>
-          <p:nvPr/>
-        </p:nvPicPr>
-        <p:blipFill>
-          <a:blip r:embed="rId3"/>
-          <a:stretch>
-            <a:fillRect/>
-          </a:stretch>
-        </p:blipFill>
-        <p:spPr>
-          <a:xfrm>
-            <a:off x="733636" y="1223555"/>
-            <a:ext cx="2631022" cy="2696390"/>
-          </a:xfrm>
-          <a:prstGeom prst="rect">
-            <a:avLst/>
-          </a:prstGeom>
-        </p:spPr>
-      </p:pic>
       <p:sp>
         <p:nvSpPr>
           <p:cNvPr id="3" name="文本框 2">
@@ -8339,7 +8348,7 @@
           <p:nvPr/>
         </p:nvPicPr>
         <p:blipFill>
-          <a:blip r:embed="rId4"/>
+          <a:blip r:embed="rId3"/>
           <a:stretch>
             <a:fillRect/>
           </a:stretch>
@@ -8394,6 +8403,36 @@
           </a:p>
         </p:txBody>
       </p:sp>
+      <p:pic>
+        <p:nvPicPr>
+          <p:cNvPr id="7" name="图片 6">
+            <a:extLst>
+              <a:ext uri="{FF2B5EF4-FFF2-40B4-BE49-F238E27FC236}">
+                <a16:creationId xmlns:a16="http://schemas.microsoft.com/office/drawing/2014/main" id="{BF277E09-1D5F-4728-9FAC-D67B4CA08809}"/>
+              </a:ext>
+            </a:extLst>
+          </p:cNvPr>
+          <p:cNvPicPr>
+            <a:picLocks noChangeAspect="1"/>
+          </p:cNvPicPr>
+          <p:nvPr/>
+        </p:nvPicPr>
+        <p:blipFill>
+          <a:blip r:embed="rId4"/>
+          <a:stretch>
+            <a:fillRect/>
+          </a:stretch>
+        </p:blipFill>
+        <p:spPr>
+          <a:xfrm>
+            <a:off x="646661" y="1361327"/>
+            <a:ext cx="2476500" cy="2476500"/>
+          </a:xfrm>
+          <a:prstGeom prst="rect">
+            <a:avLst/>
+          </a:prstGeom>
+        </p:spPr>
+      </p:pic>
     </p:spTree>
   </p:cSld>
   <p:clrMapOvr>
@@ -13151,12 +13190,47 @@
           </a:p>
         </p:txBody>
       </p:sp>
+      <p:sp>
+        <p:nvSpPr>
+          <p:cNvPr id="8" name="文本框 7">
+            <a:extLst>
+              <a:ext uri="{FF2B5EF4-FFF2-40B4-BE49-F238E27FC236}">
+                <a16:creationId xmlns:a16="http://schemas.microsoft.com/office/drawing/2014/main" id="{8E58910F-C9B2-45B1-ADFA-3D81BBAB3B83}"/>
+              </a:ext>
+            </a:extLst>
+          </p:cNvPr>
+          <p:cNvSpPr txBox="1"/>
+          <p:nvPr/>
+        </p:nvSpPr>
+        <p:spPr>
+          <a:xfrm>
+            <a:off x="1561165" y="4326977"/>
+            <a:ext cx="902811" cy="307777"/>
+          </a:xfrm>
+          <a:prstGeom prst="rect">
+            <a:avLst/>
+          </a:prstGeom>
+          <a:noFill/>
+        </p:spPr>
+        <p:txBody>
+          <a:bodyPr wrap="none" rtlCol="0">
+            <a:spAutoFit/>
+          </a:bodyPr>
+          <a:lstStyle/>
+          <a:p>
+            <a:r>
+              <a:rPr lang="zh-CN" altLang="en-US" dirty="0"/>
+              <a:t>业务逻辑</a:t>
+            </a:r>
+          </a:p>
+        </p:txBody>
+      </p:sp>
       <p:pic>
         <p:nvPicPr>
-          <p:cNvPr id="9" name="图片 8">
+          <p:cNvPr id="13" name="图片 12">
             <a:extLst>
               <a:ext uri="{FF2B5EF4-FFF2-40B4-BE49-F238E27FC236}">
-                <a16:creationId xmlns:a16="http://schemas.microsoft.com/office/drawing/2014/main" id="{A5C9F990-B85B-4F2C-9BF4-DCC377533148}"/>
+                <a16:creationId xmlns:a16="http://schemas.microsoft.com/office/drawing/2014/main" id="{7F90BDE5-C278-4B9F-9F12-F0951BED40FD}"/>
               </a:ext>
             </a:extLst>
           </p:cNvPr>
@@ -13173,8 +13247,8 @@
         </p:blipFill>
         <p:spPr>
           <a:xfrm>
-            <a:off x="880623" y="1581149"/>
-            <a:ext cx="2288292" cy="2345145"/>
+            <a:off x="3628643" y="1687437"/>
+            <a:ext cx="2473819" cy="2473819"/>
           </a:xfrm>
           <a:prstGeom prst="rect">
             <a:avLst/>
@@ -13183,10 +13257,10 @@
       </p:pic>
       <p:sp>
         <p:nvSpPr>
-          <p:cNvPr id="10" name="文本框 9">
+          <p:cNvPr id="14" name="文本框 13">
             <a:extLst>
               <a:ext uri="{FF2B5EF4-FFF2-40B4-BE49-F238E27FC236}">
-                <a16:creationId xmlns:a16="http://schemas.microsoft.com/office/drawing/2014/main" id="{7E4F3903-AF84-4688-A31F-3E7070DE8768}"/>
+                <a16:creationId xmlns:a16="http://schemas.microsoft.com/office/drawing/2014/main" id="{F26AB545-BCA6-4B21-B679-B57A4258610E}"/>
               </a:ext>
             </a:extLst>
           </p:cNvPr>
@@ -13195,8 +13269,8 @@
         </p:nvSpPr>
         <p:spPr>
           <a:xfrm>
-            <a:off x="1744728" y="4048651"/>
-            <a:ext cx="1113709" cy="307777"/>
+            <a:off x="4379681" y="4326976"/>
+            <a:ext cx="971741" cy="307777"/>
           </a:xfrm>
           <a:prstGeom prst="rect">
             <a:avLst/>
@@ -13204,24 +13278,29 @@
           <a:noFill/>
         </p:spPr>
         <p:txBody>
-          <a:bodyPr wrap="square" rtlCol="0">
+          <a:bodyPr wrap="none" rtlCol="0">
             <a:spAutoFit/>
           </a:bodyPr>
           <a:lstStyle/>
           <a:p>
             <a:r>
               <a:rPr lang="zh-CN" altLang="en-US" dirty="0"/>
-              <a:t>业务逻辑</a:t>
+              <a:t>项目</a:t>
             </a:r>
+            <a:r>
+              <a:rPr lang="en-US" altLang="zh-CN" dirty="0"/>
+              <a:t>Repo</a:t>
+            </a:r>
+            <a:endParaRPr lang="zh-CN" altLang="en-US" dirty="0"/>
           </a:p>
         </p:txBody>
       </p:sp>
       <p:pic>
         <p:nvPicPr>
-          <p:cNvPr id="11" name="图片 10">
+          <p:cNvPr id="15" name="图片 14">
             <a:extLst>
               <a:ext uri="{FF2B5EF4-FFF2-40B4-BE49-F238E27FC236}">
-                <a16:creationId xmlns:a16="http://schemas.microsoft.com/office/drawing/2014/main" id="{625474C5-CFDC-44A3-9AF4-1E573C48EE65}"/>
+                <a16:creationId xmlns:a16="http://schemas.microsoft.com/office/drawing/2014/main" id="{54FCDE38-39F6-4CA4-8EE2-C0E6A7384A12}"/>
               </a:ext>
             </a:extLst>
           </p:cNvPr>
@@ -13238,54 +13317,14 @@
         </p:blipFill>
         <p:spPr>
           <a:xfrm>
-            <a:off x="3812206" y="1691270"/>
-            <a:ext cx="2151567" cy="2151567"/>
+            <a:off x="610085" y="1686096"/>
+            <a:ext cx="2476500" cy="2476500"/>
           </a:xfrm>
           <a:prstGeom prst="rect">
             <a:avLst/>
           </a:prstGeom>
         </p:spPr>
       </p:pic>
-      <p:sp>
-        <p:nvSpPr>
-          <p:cNvPr id="12" name="文本框 11">
-            <a:extLst>
-              <a:ext uri="{FF2B5EF4-FFF2-40B4-BE49-F238E27FC236}">
-                <a16:creationId xmlns:a16="http://schemas.microsoft.com/office/drawing/2014/main" id="{3C4EC460-240F-4B45-A1F0-9256603C1958}"/>
-              </a:ext>
-            </a:extLst>
-          </p:cNvPr>
-          <p:cNvSpPr txBox="1"/>
-          <p:nvPr/>
-        </p:nvSpPr>
-        <p:spPr>
-          <a:xfrm>
-            <a:off x="4563244" y="4048650"/>
-            <a:ext cx="982753" cy="307777"/>
-          </a:xfrm>
-          <a:prstGeom prst="rect">
-            <a:avLst/>
-          </a:prstGeom>
-          <a:noFill/>
-        </p:spPr>
-        <p:txBody>
-          <a:bodyPr wrap="square" rtlCol="0">
-            <a:spAutoFit/>
-          </a:bodyPr>
-          <a:lstStyle/>
-          <a:p>
-            <a:r>
-              <a:rPr lang="zh-CN" altLang="en-US" dirty="0"/>
-              <a:t>项目</a:t>
-            </a:r>
-            <a:r>
-              <a:rPr lang="en-US" altLang="zh-CN" dirty="0"/>
-              <a:t>Repo</a:t>
-            </a:r>
-            <a:endParaRPr lang="zh-CN" altLang="en-US" dirty="0"/>
-          </a:p>
-        </p:txBody>
-      </p:sp>
     </p:spTree>
   </p:cSld>
   <p:clrMapOvr>
